--- a/S1_SWOT.pptx
+++ b/S1_SWOT.pptx
@@ -2511,8 +2511,8 @@
         </p:nvSpPr>
         <p:spPr>
           <a:xfrm>
-            <a:off x="479783" y="1101064"/>
-            <a:ext cx="5265233" cy="2487168"/>
+            <a:off x="479783" y="1416340"/>
+            <a:ext cx="5265233" cy="2171892"/>
           </a:xfrm>
           <a:prstGeom prst="rect">
             <a:avLst/>
@@ -2547,27 +2547,6 @@
           </a:bodyPr>
           <a:lstStyle/>
           <a:p>
-            <a:pPr defTabSz="914377">
-              <a:spcAft>
-                <a:spcPts val="400"/>
-              </a:spcAft>
-              <a:defRPr/>
-            </a:pPr>
-            <a:r>
-              <a:rPr lang="en-US" sz="1200" b="1">
-                <a:solidFill>
-                  <a:srgbClr val="00B050"/>
-                </a:solidFill>
-              </a:rPr>
-              <a:t>STRENGTHS </a:t>
-            </a:r>
-            <a:endParaRPr lang="en-US" sz="1200">
-              <a:solidFill>
-                <a:srgbClr val="000000"/>
-              </a:solidFill>
-            </a:endParaRPr>
-          </a:p>
-          <a:p>
             <a:pPr marL="226478" indent="-226478" defTabSz="914377">
               <a:spcAft>
                 <a:spcPts val="400"/>
@@ -2601,8 +2580,8 @@
         </p:nvSpPr>
         <p:spPr>
           <a:xfrm>
-            <a:off x="479782" y="3633275"/>
-            <a:ext cx="5120640" cy="2314043"/>
+            <a:off x="479782" y="3903508"/>
+            <a:ext cx="5120640" cy="2043810"/>
           </a:xfrm>
           <a:prstGeom prst="rect">
             <a:avLst/>
@@ -2637,22 +2616,6 @@
           </a:bodyPr>
           <a:lstStyle/>
           <a:p>
-            <a:pPr defTabSz="914377">
-              <a:spcAft>
-                <a:spcPts val="400"/>
-              </a:spcAft>
-              <a:defRPr/>
-            </a:pPr>
-            <a:r>
-              <a:rPr lang="en-US" sz="1333" b="1">
-                <a:solidFill>
-                  <a:srgbClr val="63666A"/>
-                </a:solidFill>
-              </a:rPr>
-              <a:t>WEAKNESSES</a:t>
-            </a:r>
-          </a:p>
-          <a:p>
             <a:pPr marL="285750" indent="-285750" defTabSz="914377">
               <a:spcAft>
                 <a:spcPts val="400"/>
@@ -2686,8 +2649,8 @@
         </p:nvSpPr>
         <p:spPr>
           <a:xfrm>
-            <a:off x="6604070" y="1101064"/>
-            <a:ext cx="4998720" cy="1445229"/>
+            <a:off x="6604070" y="1366963"/>
+            <a:ext cx="4998720" cy="1179330"/>
           </a:xfrm>
           <a:prstGeom prst="rect">
             <a:avLst/>
@@ -2722,22 +2685,6 @@
           </a:bodyPr>
           <a:lstStyle/>
           <a:p>
-            <a:pPr defTabSz="914377">
-              <a:spcAft>
-                <a:spcPts val="400"/>
-              </a:spcAft>
-              <a:defRPr/>
-            </a:pPr>
-            <a:r>
-              <a:rPr lang="en-US" sz="1333" b="1">
-                <a:solidFill>
-                  <a:schemeClr val="accent3"/>
-                </a:solidFill>
-              </a:rPr>
-              <a:t>OPPORTUNITIES</a:t>
-            </a:r>
-          </a:p>
-          <a:p>
             <a:pPr marL="226478" indent="-226478" defTabSz="914377">
               <a:spcAft>
                 <a:spcPts val="133"/>
@@ -2771,8 +2718,8 @@
         </p:nvSpPr>
         <p:spPr>
           <a:xfrm>
-            <a:off x="6604070" y="3622485"/>
-            <a:ext cx="4998720" cy="1868552"/>
+            <a:off x="6604070" y="3903507"/>
+            <a:ext cx="4998720" cy="1587529"/>
           </a:xfrm>
           <a:prstGeom prst="rect">
             <a:avLst/>
@@ -2807,22 +2754,6 @@
           </a:bodyPr>
           <a:lstStyle/>
           <a:p>
-            <a:pPr defTabSz="914377">
-              <a:spcAft>
-                <a:spcPts val="400"/>
-              </a:spcAft>
-              <a:defRPr/>
-            </a:pPr>
-            <a:r>
-              <a:rPr lang="en-US" sz="1333" b="1">
-                <a:solidFill>
-                  <a:srgbClr val="FF0000"/>
-                </a:solidFill>
-              </a:rPr>
-              <a:t>THREATS</a:t>
-            </a:r>
-          </a:p>
-          <a:p>
             <a:pPr marL="285750" indent="-285750" defTabSz="914377">
               <a:spcAft>
                 <a:spcPts val="400"/>
@@ -2838,6 +2769,166 @@
                 </a:solidFill>
               </a:rPr>
               <a:t>threat_bullets</a:t>
+            </a:r>
+          </a:p>
+        </p:txBody>
+      </p:sp>
+      <p:sp>
+        <p:nvSpPr>
+          <p:cNvPr id="5" name="TextBox 4">
+            <a:extLst>
+              <a:ext uri="{FF2B5EF4-FFF2-40B4-BE49-F238E27FC236}">
+                <a16:creationId xmlns:a16="http://schemas.microsoft.com/office/drawing/2014/main" id="{5EF79CA7-51A5-B8CE-FF5C-DC2821331976}"/>
+              </a:ext>
+            </a:extLst>
+          </p:cNvPr>
+          <p:cNvSpPr txBox="1"/>
+          <p:nvPr/>
+        </p:nvSpPr>
+        <p:spPr>
+          <a:xfrm>
+            <a:off x="479781" y="1165154"/>
+            <a:ext cx="2868000" cy="307777"/>
+          </a:xfrm>
+          <a:prstGeom prst="rect">
+            <a:avLst/>
+          </a:prstGeom>
+          <a:noFill/>
+        </p:spPr>
+        <p:txBody>
+          <a:bodyPr wrap="square" rtlCol="0">
+            <a:spAutoFit/>
+          </a:bodyPr>
+          <a:lstStyle/>
+          <a:p>
+            <a:pPr algn="l"/>
+            <a:r>
+              <a:rPr lang="en-US" sz="1400" b="1" dirty="0">
+                <a:solidFill>
+                  <a:srgbClr val="00B050"/>
+                </a:solidFill>
+              </a:rPr>
+              <a:t>STRENGTHS</a:t>
+            </a:r>
+          </a:p>
+        </p:txBody>
+      </p:sp>
+      <p:sp>
+        <p:nvSpPr>
+          <p:cNvPr id="7" name="TextBox 6">
+            <a:extLst>
+              <a:ext uri="{FF2B5EF4-FFF2-40B4-BE49-F238E27FC236}">
+                <a16:creationId xmlns:a16="http://schemas.microsoft.com/office/drawing/2014/main" id="{B0465725-F9F8-C335-EA7B-8A59CC8B686E}"/>
+              </a:ext>
+            </a:extLst>
+          </p:cNvPr>
+          <p:cNvSpPr txBox="1"/>
+          <p:nvPr/>
+        </p:nvSpPr>
+        <p:spPr>
+          <a:xfrm>
+            <a:off x="6548079" y="1174873"/>
+            <a:ext cx="2868000" cy="307777"/>
+          </a:xfrm>
+          <a:prstGeom prst="rect">
+            <a:avLst/>
+          </a:prstGeom>
+          <a:noFill/>
+        </p:spPr>
+        <p:txBody>
+          <a:bodyPr wrap="square" rtlCol="0">
+            <a:spAutoFit/>
+          </a:bodyPr>
+          <a:lstStyle/>
+          <a:p>
+            <a:pPr algn="l"/>
+            <a:r>
+              <a:rPr lang="en-US" sz="1400" b="1" dirty="0">
+                <a:solidFill>
+                  <a:schemeClr val="accent3"/>
+                </a:solidFill>
+              </a:rPr>
+              <a:t>OPPORTUNITIES</a:t>
+            </a:r>
+          </a:p>
+        </p:txBody>
+      </p:sp>
+      <p:sp>
+        <p:nvSpPr>
+          <p:cNvPr id="18" name="TextBox 17">
+            <a:extLst>
+              <a:ext uri="{FF2B5EF4-FFF2-40B4-BE49-F238E27FC236}">
+                <a16:creationId xmlns:a16="http://schemas.microsoft.com/office/drawing/2014/main" id="{0131DB8B-FAFF-02DA-F74E-857E4BB90AF3}"/>
+              </a:ext>
+            </a:extLst>
+          </p:cNvPr>
+          <p:cNvSpPr txBox="1"/>
+          <p:nvPr/>
+        </p:nvSpPr>
+        <p:spPr>
+          <a:xfrm>
+            <a:off x="479781" y="3682536"/>
+            <a:ext cx="2868000" cy="307777"/>
+          </a:xfrm>
+          <a:prstGeom prst="rect">
+            <a:avLst/>
+          </a:prstGeom>
+          <a:noFill/>
+        </p:spPr>
+        <p:txBody>
+          <a:bodyPr wrap="square" rtlCol="0">
+            <a:spAutoFit/>
+          </a:bodyPr>
+          <a:lstStyle/>
+          <a:p>
+            <a:pPr algn="l"/>
+            <a:r>
+              <a:rPr lang="en-US" sz="1400" b="1" dirty="0">
+                <a:solidFill>
+                  <a:schemeClr val="accent5"/>
+                </a:solidFill>
+              </a:rPr>
+              <a:t>WEAKNESSES</a:t>
+            </a:r>
+          </a:p>
+        </p:txBody>
+      </p:sp>
+      <p:sp>
+        <p:nvSpPr>
+          <p:cNvPr id="19" name="TextBox 18">
+            <a:extLst>
+              <a:ext uri="{FF2B5EF4-FFF2-40B4-BE49-F238E27FC236}">
+                <a16:creationId xmlns:a16="http://schemas.microsoft.com/office/drawing/2014/main" id="{885A1BDD-4AE5-9B97-F6B5-0EE826D7CA12}"/>
+              </a:ext>
+            </a:extLst>
+          </p:cNvPr>
+          <p:cNvSpPr txBox="1"/>
+          <p:nvPr/>
+        </p:nvSpPr>
+        <p:spPr>
+          <a:xfrm>
+            <a:off x="6548079" y="3692255"/>
+            <a:ext cx="2868000" cy="307777"/>
+          </a:xfrm>
+          <a:prstGeom prst="rect">
+            <a:avLst/>
+          </a:prstGeom>
+          <a:noFill/>
+        </p:spPr>
+        <p:txBody>
+          <a:bodyPr wrap="square" rtlCol="0">
+            <a:spAutoFit/>
+          </a:bodyPr>
+          <a:lstStyle/>
+          <a:p>
+            <a:pPr algn="l"/>
+            <a:r>
+              <a:rPr lang="en-US" sz="1400" b="1" dirty="0">
+                <a:solidFill>
+                  <a:schemeClr val="accent1"/>
+                </a:solidFill>
+              </a:rPr>
+              <a:t>THREATS</a:t>
             </a:r>
           </a:p>
         </p:txBody>
@@ -3396,39 +3487,6 @@
 </file>
 
 <file path=customXml/item1.xml><?xml version="1.0" encoding="utf-8"?>
-<?mso-contentType ?>
-<FormTemplates xmlns="http://schemas.microsoft.com/sharepoint/v3/contenttype/forms">
-  <Display>DocumentLibraryForm</Display>
-  <Edit>DocumentLibraryForm</Edit>
-  <New>DocumentLibraryForm</New>
-</FormTemplates>
-</file>
-
-<file path=customXml/item2.xml><?xml version="1.0" encoding="utf-8"?>
-<p:properties xmlns:p="http://schemas.microsoft.com/office/2006/metadata/properties" xmlns:xsi="http://www.w3.org/2001/XMLSchema-instance" xmlns:pc="http://schemas.microsoft.com/office/infopath/2007/PartnerControls">
-  <documentManagement>
-    <lcf76f155ced4ddcb4097134ff3c332f xmlns="58c5bd5f-ec40-4cee-9465-291ce6ac5154">
-      <Terms xmlns="http://schemas.microsoft.com/office/infopath/2007/PartnerControls"/>
-    </lcf76f155ced4ddcb4097134ff3c332f>
-    <TaxCatchAll xmlns="67808493-4abf-43a2-8be6-c5705e2c4984" xsi:nil="true"/>
-    <LaunchRegion xmlns="58c5bd5f-ec40-4cee-9465-291ce6ac5154" xsi:nil="true"/>
-    <TATest xmlns="58c5bd5f-ec40-4cee-9465-291ce6ac5154" xsi:nil="true"/>
-    <ProposalType xmlns="58c5bd5f-ec40-4cee-9465-291ce6ac5154" xsi:nil="true"/>
-    <Objectives xmlns="58c5bd5f-ec40-4cee-9465-291ce6ac5154" xsi:nil="true"/>
-    <AssetName xmlns="58c5bd5f-ec40-4cee-9465-291ce6ac5154" xsi:nil="true"/>
-    <TimelinetoLaunch xmlns="58c5bd5f-ec40-4cee-9465-291ce6ac5154" xsi:nil="true"/>
-    <TherapeuticArea xmlns="58c5bd5f-ec40-4cee-9465-291ce6ac5154" xsi:nil="true"/>
-    <Proposal xmlns="58c5bd5f-ec40-4cee-9465-291ce6ac5154" xsi:nil="true"/>
-    <DateEntered xmlns="58c5bd5f-ec40-4cee-9465-291ce6ac5154" xsi:nil="true"/>
-    <AssetType xmlns="58c5bd5f-ec40-4cee-9465-291ce6ac5154" xsi:nil="true"/>
-    <OpportunityInitiationDate xmlns="58c5bd5f-ec40-4cee-9465-291ce6ac5154" xsi:nil="true"/>
-    <DiseaseState xmlns="58c5bd5f-ec40-4cee-9465-291ce6ac5154" xsi:nil="true"/>
-    <LatestNotes xmlns="58c5bd5f-ec40-4cee-9465-291ce6ac5154" xsi:nil="true"/>
-  </documentManagement>
-</p:properties>
-</file>
-
-<file path=customXml/item3.xml><?xml version="1.0" encoding="utf-8"?>
 <ct:contentTypeSchema xmlns:ct="http://schemas.microsoft.com/office/2006/metadata/contentType" xmlns:ma="http://schemas.microsoft.com/office/2006/metadata/properties/metaAttributes" ct:_="" ma:_="" ma:contentTypeName="Document" ma:contentTypeID="0x010100F8C53FA9CBABEE488CBAEDEEFA7C0A43" ma:contentTypeVersion="35" ma:contentTypeDescription="Create a new document." ma:contentTypeScope="" ma:versionID="db0be2909158a3d0ffa9a40ce531ff32">
   <xsd:schema xmlns:xsd="http://www.w3.org/2001/XMLSchema" xmlns:xs="http://www.w3.org/2001/XMLSchema" xmlns:p="http://schemas.microsoft.com/office/2006/metadata/properties" xmlns:ns2="58c5bd5f-ec40-4cee-9465-291ce6ac5154" xmlns:ns3="67808493-4abf-43a2-8be6-c5705e2c4984" targetNamespace="http://schemas.microsoft.com/office/2006/metadata/properties" ma:root="true" ma:fieldsID="2b448d60eda421a9b30398a4dab18a0f" ns2:_="" ns3:_="">
     <xsd:import namespace="58c5bd5f-ec40-4cee-9465-291ce6ac5154"/>
@@ -3868,10 +3926,54 @@
 </ct:contentTypeSchema>
 </file>
 
+<file path=customXml/item2.xml><?xml version="1.0" encoding="utf-8"?>
+<p:properties xmlns:p="http://schemas.microsoft.com/office/2006/metadata/properties" xmlns:xsi="http://www.w3.org/2001/XMLSchema-instance" xmlns:pc="http://schemas.microsoft.com/office/infopath/2007/PartnerControls">
+  <documentManagement>
+    <lcf76f155ced4ddcb4097134ff3c332f xmlns="58c5bd5f-ec40-4cee-9465-291ce6ac5154">
+      <Terms xmlns="http://schemas.microsoft.com/office/infopath/2007/PartnerControls"/>
+    </lcf76f155ced4ddcb4097134ff3c332f>
+    <TaxCatchAll xmlns="67808493-4abf-43a2-8be6-c5705e2c4984" xsi:nil="true"/>
+    <LaunchRegion xmlns="58c5bd5f-ec40-4cee-9465-291ce6ac5154" xsi:nil="true"/>
+    <TATest xmlns="58c5bd5f-ec40-4cee-9465-291ce6ac5154" xsi:nil="true"/>
+    <ProposalType xmlns="58c5bd5f-ec40-4cee-9465-291ce6ac5154" xsi:nil="true"/>
+    <Objectives xmlns="58c5bd5f-ec40-4cee-9465-291ce6ac5154" xsi:nil="true"/>
+    <AssetName xmlns="58c5bd5f-ec40-4cee-9465-291ce6ac5154" xsi:nil="true"/>
+    <TimelinetoLaunch xmlns="58c5bd5f-ec40-4cee-9465-291ce6ac5154" xsi:nil="true"/>
+    <TherapeuticArea xmlns="58c5bd5f-ec40-4cee-9465-291ce6ac5154" xsi:nil="true"/>
+    <Proposal xmlns="58c5bd5f-ec40-4cee-9465-291ce6ac5154" xsi:nil="true"/>
+    <DateEntered xmlns="58c5bd5f-ec40-4cee-9465-291ce6ac5154" xsi:nil="true"/>
+    <AssetType xmlns="58c5bd5f-ec40-4cee-9465-291ce6ac5154" xsi:nil="true"/>
+    <OpportunityInitiationDate xmlns="58c5bd5f-ec40-4cee-9465-291ce6ac5154" xsi:nil="true"/>
+    <DiseaseState xmlns="58c5bd5f-ec40-4cee-9465-291ce6ac5154" xsi:nil="true"/>
+    <LatestNotes xmlns="58c5bd5f-ec40-4cee-9465-291ce6ac5154" xsi:nil="true"/>
+  </documentManagement>
+</p:properties>
+</file>
+
+<file path=customXml/item3.xml><?xml version="1.0" encoding="utf-8"?>
+<?mso-contentType ?>
+<FormTemplates xmlns="http://schemas.microsoft.com/sharepoint/v3/contenttype/forms">
+  <Display>DocumentLibraryForm</Display>
+  <Edit>DocumentLibraryForm</Edit>
+  <New>DocumentLibraryForm</New>
+</FormTemplates>
+</file>
+
 <file path=customXml/itemProps1.xml><?xml version="1.0" encoding="utf-8"?>
-<ds:datastoreItem xmlns:ds="http://schemas.openxmlformats.org/officeDocument/2006/customXml" ds:itemID="{BDE0DC56-D3E9-4100-8AE0-8A128765DA41}">
+<ds:datastoreItem xmlns:ds="http://schemas.openxmlformats.org/officeDocument/2006/customXml" ds:itemID="{93E6A1C7-FFD9-4302-81ED-45BBB0F7CE6F}">
   <ds:schemaRefs>
-    <ds:schemaRef ds:uri="http://schemas.microsoft.com/sharepoint/v3/contenttype/forms"/>
+    <ds:schemaRef ds:uri="58c5bd5f-ec40-4cee-9465-291ce6ac5154"/>
+    <ds:schemaRef ds:uri="67808493-4abf-43a2-8be6-c5705e2c4984"/>
+    <ds:schemaRef ds:uri="http://purl.org/dc/elements/1.1/"/>
+    <ds:schemaRef ds:uri="http://purl.org/dc/terms/"/>
+    <ds:schemaRef ds:uri="http://schemas.microsoft.com/internal/obd"/>
+    <ds:schemaRef ds:uri="http://schemas.microsoft.com/office/2006/documentManagement/types"/>
+    <ds:schemaRef ds:uri="http://schemas.microsoft.com/office/2006/metadata/contentType"/>
+    <ds:schemaRef ds:uri="http://schemas.microsoft.com/office/2006/metadata/properties"/>
+    <ds:schemaRef ds:uri="http://schemas.microsoft.com/office/2006/metadata/properties/metaAttributes"/>
+    <ds:schemaRef ds:uri="http://schemas.microsoft.com/office/infopath/2007/PartnerControls"/>
+    <ds:schemaRef ds:uri="http://schemas.openxmlformats.org/package/2006/metadata/core-properties"/>
+    <ds:schemaRef ds:uri="http://www.w3.org/2001/XMLSchema"/>
   </ds:schemaRefs>
 </ds:datastoreItem>
 </file>
@@ -3894,20 +3996,9 @@
 </file>
 
 <file path=customXml/itemProps3.xml><?xml version="1.0" encoding="utf-8"?>
-<ds:datastoreItem xmlns:ds="http://schemas.openxmlformats.org/officeDocument/2006/customXml" ds:itemID="{93E6A1C7-FFD9-4302-81ED-45BBB0F7CE6F}">
+<ds:datastoreItem xmlns:ds="http://schemas.openxmlformats.org/officeDocument/2006/customXml" ds:itemID="{BDE0DC56-D3E9-4100-8AE0-8A128765DA41}">
   <ds:schemaRefs>
-    <ds:schemaRef ds:uri="58c5bd5f-ec40-4cee-9465-291ce6ac5154"/>
-    <ds:schemaRef ds:uri="67808493-4abf-43a2-8be6-c5705e2c4984"/>
-    <ds:schemaRef ds:uri="http://purl.org/dc/elements/1.1/"/>
-    <ds:schemaRef ds:uri="http://purl.org/dc/terms/"/>
-    <ds:schemaRef ds:uri="http://schemas.microsoft.com/internal/obd"/>
-    <ds:schemaRef ds:uri="http://schemas.microsoft.com/office/2006/documentManagement/types"/>
-    <ds:schemaRef ds:uri="http://schemas.microsoft.com/office/2006/metadata/contentType"/>
-    <ds:schemaRef ds:uri="http://schemas.microsoft.com/office/2006/metadata/properties"/>
-    <ds:schemaRef ds:uri="http://schemas.microsoft.com/office/2006/metadata/properties/metaAttributes"/>
-    <ds:schemaRef ds:uri="http://schemas.microsoft.com/office/infopath/2007/PartnerControls"/>
-    <ds:schemaRef ds:uri="http://schemas.openxmlformats.org/package/2006/metadata/core-properties"/>
-    <ds:schemaRef ds:uri="http://www.w3.org/2001/XMLSchema"/>
+    <ds:schemaRef ds:uri="http://schemas.microsoft.com/sharepoint/v3/contenttype/forms"/>
   </ds:schemaRefs>
 </ds:datastoreItem>
 </file>